--- a/finalproject-submission/Final Project SectionX-TeamGroup-9-Presentation.pptx
+++ b/finalproject-submission/Final Project SectionX-TeamGroup-9-Presentation.pptx
@@ -5,7 +5,7 @@
     <p:sldMasterId id="2147483660" r:id="rId1"/>
   </p:sldMasterIdLst>
   <p:notesMasterIdLst>
-    <p:notesMasterId r:id="rId14"/>
+    <p:notesMasterId r:id="rId13"/>
   </p:notesMasterIdLst>
   <p:sldIdLst>
     <p:sldId id="256" r:id="rId2"/>
@@ -15,42 +15,41 @@
     <p:sldId id="261" r:id="rId6"/>
     <p:sldId id="262" r:id="rId7"/>
     <p:sldId id="263" r:id="rId8"/>
-    <p:sldId id="264" r:id="rId9"/>
-    <p:sldId id="265" r:id="rId10"/>
-    <p:sldId id="266" r:id="rId11"/>
-    <p:sldId id="267" r:id="rId12"/>
-    <p:sldId id="268" r:id="rId13"/>
+    <p:sldId id="265" r:id="rId9"/>
+    <p:sldId id="266" r:id="rId10"/>
+    <p:sldId id="267" r:id="rId11"/>
+    <p:sldId id="268" r:id="rId12"/>
   </p:sldIdLst>
   <p:sldSz cx="9144000" cy="6858000" type="screen4x3"/>
   <p:notesSz cx="6858000" cy="9144000"/>
   <p:embeddedFontLst>
     <p:embeddedFont>
       <p:font typeface="Nunito" pitchFamily="2" charset="77"/>
-      <p:regular r:id="rId15"/>
-      <p:bold r:id="rId16"/>
-      <p:italic r:id="rId17"/>
-      <p:boldItalic r:id="rId18"/>
+      <p:regular r:id="rId14"/>
+      <p:bold r:id="rId15"/>
+      <p:italic r:id="rId16"/>
+      <p:boldItalic r:id="rId17"/>
     </p:embeddedFont>
     <p:embeddedFont>
       <p:font typeface="Quattrocento Sans" panose="020B0502050000020003" pitchFamily="34" charset="0"/>
-      <p:regular r:id="rId19"/>
-      <p:bold r:id="rId20"/>
-      <p:italic r:id="rId21"/>
-      <p:boldItalic r:id="rId22"/>
+      <p:regular r:id="rId18"/>
+      <p:bold r:id="rId19"/>
+      <p:italic r:id="rId20"/>
+      <p:boldItalic r:id="rId21"/>
     </p:embeddedFont>
     <p:embeddedFont>
       <p:font typeface="Roboto Mono" pitchFamily="49" charset="0"/>
-      <p:regular r:id="rId23"/>
-      <p:bold r:id="rId24"/>
-      <p:italic r:id="rId25"/>
-      <p:boldItalic r:id="rId26"/>
+      <p:regular r:id="rId22"/>
+      <p:bold r:id="rId23"/>
+      <p:italic r:id="rId24"/>
+      <p:boldItalic r:id="rId25"/>
     </p:embeddedFont>
     <p:embeddedFont>
       <p:font typeface="Verdana" panose="020B0604030504040204" pitchFamily="34" charset="0"/>
-      <p:regular r:id="rId27"/>
-      <p:bold r:id="rId28"/>
-      <p:italic r:id="rId29"/>
-      <p:boldItalic r:id="rId30"/>
+      <p:regular r:id="rId26"/>
+      <p:bold r:id="rId27"/>
+      <p:italic r:id="rId28"/>
+      <p:boldItalic r:id="rId29"/>
     </p:embeddedFont>
   </p:embeddedFontLst>
   <p:defaultTextStyle>
@@ -851,110 +850,6 @@
   <p:cSld>
     <p:spTree>
       <p:nvGrpSpPr>
-        <p:cNvPr id="1" name="Shape 193"/>
-        <p:cNvGrpSpPr/>
-        <p:nvPr/>
-      </p:nvGrpSpPr>
-      <p:grpSpPr>
-        <a:xfrm>
-          <a:off x="0" y="0"/>
-          <a:ext cx="0" cy="0"/>
-          <a:chOff x="0" y="0"/>
-          <a:chExt cx="0" cy="0"/>
-        </a:xfrm>
-      </p:grpSpPr>
-      <p:sp>
-        <p:nvSpPr>
-          <p:cNvPr id="194" name="Google Shape;194;g365f95dfa3f_0_296:notes"/>
-          <p:cNvSpPr txBox="1">
-            <a:spLocks noGrp="1"/>
-          </p:cNvSpPr>
-          <p:nvPr>
-            <p:ph type="body" idx="1"/>
-          </p:nvPr>
-        </p:nvSpPr>
-        <p:spPr>
-          <a:xfrm>
-            <a:off x="685800" y="4343400"/>
-            <a:ext cx="5486400" cy="4114800"/>
-          </a:xfrm>
-          <a:prstGeom prst="rect">
-            <a:avLst/>
-          </a:prstGeom>
-        </p:spPr>
-        <p:txBody>
-          <a:bodyPr spcFirstLastPara="1" wrap="square" lIns="91425" tIns="91425" rIns="91425" bIns="91425" anchor="t" anchorCtr="0">
-            <a:noAutofit/>
-          </a:bodyPr>
-          <a:lstStyle/>
-          <a:p>
-            <a:pPr marL="0" lvl="0" indent="0" algn="l" rtl="0">
-              <a:spcBef>
-                <a:spcPts val="0"/>
-              </a:spcBef>
-              <a:spcAft>
-                <a:spcPts val="0"/>
-              </a:spcAft>
-              <a:buNone/>
-            </a:pPr>
-            <a:endParaRPr/>
-          </a:p>
-        </p:txBody>
-      </p:sp>
-      <p:sp>
-        <p:nvSpPr>
-          <p:cNvPr id="195" name="Google Shape;195;g365f95dfa3f_0_296:notes"/>
-          <p:cNvSpPr>
-            <a:spLocks noGrp="1" noRot="1" noChangeAspect="1"/>
-          </p:cNvSpPr>
-          <p:nvPr>
-            <p:ph type="sldImg" idx="2"/>
-          </p:nvPr>
-        </p:nvSpPr>
-        <p:spPr>
-          <a:xfrm>
-            <a:off x="1143225" y="685800"/>
-            <a:ext cx="4572300" cy="3429000"/>
-          </a:xfrm>
-          <a:custGeom>
-            <a:avLst/>
-            <a:gdLst/>
-            <a:ahLst/>
-            <a:cxnLst/>
-            <a:rect l="l" t="t" r="r" b="b"/>
-            <a:pathLst>
-              <a:path w="120000" h="120000" extrusionOk="0">
-                <a:moveTo>
-                  <a:pt x="0" y="0"/>
-                </a:moveTo>
-                <a:lnTo>
-                  <a:pt x="120000" y="0"/>
-                </a:lnTo>
-                <a:lnTo>
-                  <a:pt x="120000" y="120000"/>
-                </a:lnTo>
-                <a:lnTo>
-                  <a:pt x="0" y="120000"/>
-                </a:lnTo>
-                <a:close/>
-              </a:path>
-            </a:pathLst>
-          </a:custGeom>
-        </p:spPr>
-      </p:sp>
-    </p:spTree>
-  </p:cSld>
-  <p:clrMapOvr>
-    <a:masterClrMapping/>
-  </p:clrMapOvr>
-</p:notes>
-</file>
-
-<file path=ppt/notesSlides/notesSlide11.xml><?xml version="1.0" encoding="utf-8"?>
-<p:notes xmlns:a="http://schemas.openxmlformats.org/drawingml/2006/main" xmlns:r="http://schemas.openxmlformats.org/officeDocument/2006/relationships" xmlns:p="http://schemas.openxmlformats.org/presentationml/2006/main" showMasterSp="0" showMasterPhAnim="0">
-  <p:cSld>
-    <p:spTree>
-      <p:nvGrpSpPr>
         <p:cNvPr id="1" name="Shape 200"/>
         <p:cNvGrpSpPr/>
         <p:nvPr/>
@@ -1054,7 +949,7 @@
 </p:notes>
 </file>
 
-<file path=ppt/notesSlides/notesSlide12.xml><?xml version="1.0" encoding="utf-8"?>
+<file path=ppt/notesSlides/notesSlide11.xml><?xml version="1.0" encoding="utf-8"?>
 <p:notes xmlns:a="http://schemas.openxmlformats.org/drawingml/2006/main" xmlns:r="http://schemas.openxmlformats.org/officeDocument/2006/relationships" xmlns:p="http://schemas.openxmlformats.org/presentationml/2006/main" showMasterSp="0" showMasterPhAnim="0">
   <p:cSld>
     <p:spTree>
@@ -1745,8 +1640,8 @@
         </p:nvSpPr>
         <p:spPr>
           <a:xfrm>
-            <a:off x="1143225" y="685800"/>
-            <a:ext cx="4572300" cy="3429000"/>
+            <a:off x="1143000" y="685800"/>
+            <a:ext cx="4572000" cy="3429000"/>
           </a:xfrm>
           <a:custGeom>
             <a:avLst/>
@@ -1783,110 +1678,6 @@
 </file>
 
 <file path=ppt/notesSlides/notesSlide8.xml><?xml version="1.0" encoding="utf-8"?>
-<p:notes xmlns:a="http://schemas.openxmlformats.org/drawingml/2006/main" xmlns:r="http://schemas.openxmlformats.org/officeDocument/2006/relationships" xmlns:p="http://schemas.openxmlformats.org/presentationml/2006/main" showMasterSp="0" showMasterPhAnim="0">
-  <p:cSld>
-    <p:spTree>
-      <p:nvGrpSpPr>
-        <p:cNvPr id="1" name="Shape 181"/>
-        <p:cNvGrpSpPr/>
-        <p:nvPr/>
-      </p:nvGrpSpPr>
-      <p:grpSpPr>
-        <a:xfrm>
-          <a:off x="0" y="0"/>
-          <a:ext cx="0" cy="0"/>
-          <a:chOff x="0" y="0"/>
-          <a:chExt cx="0" cy="0"/>
-        </a:xfrm>
-      </p:grpSpPr>
-      <p:sp>
-        <p:nvSpPr>
-          <p:cNvPr id="182" name="Google Shape;182;g36862d292f7_0_26:notes"/>
-          <p:cNvSpPr txBox="1">
-            <a:spLocks noGrp="1"/>
-          </p:cNvSpPr>
-          <p:nvPr>
-            <p:ph type="body" idx="1"/>
-          </p:nvPr>
-        </p:nvSpPr>
-        <p:spPr>
-          <a:xfrm>
-            <a:off x="685800" y="4343400"/>
-            <a:ext cx="5486400" cy="4114800"/>
-          </a:xfrm>
-          <a:prstGeom prst="rect">
-            <a:avLst/>
-          </a:prstGeom>
-        </p:spPr>
-        <p:txBody>
-          <a:bodyPr spcFirstLastPara="1" wrap="square" lIns="91425" tIns="91425" rIns="91425" bIns="91425" anchor="t" anchorCtr="0">
-            <a:noAutofit/>
-          </a:bodyPr>
-          <a:lstStyle/>
-          <a:p>
-            <a:pPr marL="0" lvl="0" indent="0" algn="l" rtl="0">
-              <a:spcBef>
-                <a:spcPts val="0"/>
-              </a:spcBef>
-              <a:spcAft>
-                <a:spcPts val="0"/>
-              </a:spcAft>
-              <a:buNone/>
-            </a:pPr>
-            <a:endParaRPr/>
-          </a:p>
-        </p:txBody>
-      </p:sp>
-      <p:sp>
-        <p:nvSpPr>
-          <p:cNvPr id="183" name="Google Shape;183;g36862d292f7_0_26:notes"/>
-          <p:cNvSpPr>
-            <a:spLocks noGrp="1" noRot="1" noChangeAspect="1"/>
-          </p:cNvSpPr>
-          <p:nvPr>
-            <p:ph type="sldImg" idx="2"/>
-          </p:nvPr>
-        </p:nvSpPr>
-        <p:spPr>
-          <a:xfrm>
-            <a:off x="1143225" y="685800"/>
-            <a:ext cx="4572300" cy="3429000"/>
-          </a:xfrm>
-          <a:custGeom>
-            <a:avLst/>
-            <a:gdLst/>
-            <a:ahLst/>
-            <a:cxnLst/>
-            <a:rect l="l" t="t" r="r" b="b"/>
-            <a:pathLst>
-              <a:path w="120000" h="120000" extrusionOk="0">
-                <a:moveTo>
-                  <a:pt x="0" y="0"/>
-                </a:moveTo>
-                <a:lnTo>
-                  <a:pt x="120000" y="0"/>
-                </a:lnTo>
-                <a:lnTo>
-                  <a:pt x="120000" y="120000"/>
-                </a:lnTo>
-                <a:lnTo>
-                  <a:pt x="0" y="120000"/>
-                </a:lnTo>
-                <a:close/>
-              </a:path>
-            </a:pathLst>
-          </a:custGeom>
-        </p:spPr>
-      </p:sp>
-    </p:spTree>
-  </p:cSld>
-  <p:clrMapOvr>
-    <a:masterClrMapping/>
-  </p:clrMapOvr>
-</p:notes>
-</file>
-
-<file path=ppt/notesSlides/notesSlide9.xml><?xml version="1.0" encoding="utf-8"?>
 <p:notes xmlns:a="http://schemas.openxmlformats.org/drawingml/2006/main" xmlns:r="http://schemas.openxmlformats.org/officeDocument/2006/relationships" xmlns:p="http://schemas.openxmlformats.org/presentationml/2006/main" showMasterSp="0" showMasterPhAnim="0">
   <p:cSld>
     <p:spTree>
@@ -1955,6 +1746,110 @@
           <a:xfrm>
             <a:off x="1143000" y="685800"/>
             <a:ext cx="4572000" cy="3429000"/>
+          </a:xfrm>
+          <a:custGeom>
+            <a:avLst/>
+            <a:gdLst/>
+            <a:ahLst/>
+            <a:cxnLst/>
+            <a:rect l="l" t="t" r="r" b="b"/>
+            <a:pathLst>
+              <a:path w="120000" h="120000" extrusionOk="0">
+                <a:moveTo>
+                  <a:pt x="0" y="0"/>
+                </a:moveTo>
+                <a:lnTo>
+                  <a:pt x="120000" y="0"/>
+                </a:lnTo>
+                <a:lnTo>
+                  <a:pt x="120000" y="120000"/>
+                </a:lnTo>
+                <a:lnTo>
+                  <a:pt x="0" y="120000"/>
+                </a:lnTo>
+                <a:close/>
+              </a:path>
+            </a:pathLst>
+          </a:custGeom>
+        </p:spPr>
+      </p:sp>
+    </p:spTree>
+  </p:cSld>
+  <p:clrMapOvr>
+    <a:masterClrMapping/>
+  </p:clrMapOvr>
+</p:notes>
+</file>
+
+<file path=ppt/notesSlides/notesSlide9.xml><?xml version="1.0" encoding="utf-8"?>
+<p:notes xmlns:a="http://schemas.openxmlformats.org/drawingml/2006/main" xmlns:r="http://schemas.openxmlformats.org/officeDocument/2006/relationships" xmlns:p="http://schemas.openxmlformats.org/presentationml/2006/main" showMasterSp="0" showMasterPhAnim="0">
+  <p:cSld>
+    <p:spTree>
+      <p:nvGrpSpPr>
+        <p:cNvPr id="1" name="Shape 193"/>
+        <p:cNvGrpSpPr/>
+        <p:nvPr/>
+      </p:nvGrpSpPr>
+      <p:grpSpPr>
+        <a:xfrm>
+          <a:off x="0" y="0"/>
+          <a:ext cx="0" cy="0"/>
+          <a:chOff x="0" y="0"/>
+          <a:chExt cx="0" cy="0"/>
+        </a:xfrm>
+      </p:grpSpPr>
+      <p:sp>
+        <p:nvSpPr>
+          <p:cNvPr id="194" name="Google Shape;194;g365f95dfa3f_0_296:notes"/>
+          <p:cNvSpPr txBox="1">
+            <a:spLocks noGrp="1"/>
+          </p:cNvSpPr>
+          <p:nvPr>
+            <p:ph type="body" idx="1"/>
+          </p:nvPr>
+        </p:nvSpPr>
+        <p:spPr>
+          <a:xfrm>
+            <a:off x="685800" y="4343400"/>
+            <a:ext cx="5486400" cy="4114800"/>
+          </a:xfrm>
+          <a:prstGeom prst="rect">
+            <a:avLst/>
+          </a:prstGeom>
+        </p:spPr>
+        <p:txBody>
+          <a:bodyPr spcFirstLastPara="1" wrap="square" lIns="91425" tIns="91425" rIns="91425" bIns="91425" anchor="t" anchorCtr="0">
+            <a:noAutofit/>
+          </a:bodyPr>
+          <a:lstStyle/>
+          <a:p>
+            <a:pPr marL="0" lvl="0" indent="0" algn="l" rtl="0">
+              <a:spcBef>
+                <a:spcPts val="0"/>
+              </a:spcBef>
+              <a:spcAft>
+                <a:spcPts val="0"/>
+              </a:spcAft>
+              <a:buNone/>
+            </a:pPr>
+            <a:endParaRPr/>
+          </a:p>
+        </p:txBody>
+      </p:sp>
+      <p:sp>
+        <p:nvSpPr>
+          <p:cNvPr id="195" name="Google Shape;195;g365f95dfa3f_0_296:notes"/>
+          <p:cNvSpPr>
+            <a:spLocks noGrp="1" noRot="1" noChangeAspect="1"/>
+          </p:cNvSpPr>
+          <p:nvPr>
+            <p:ph type="sldImg" idx="2"/>
+          </p:nvPr>
+        </p:nvSpPr>
+        <p:spPr>
+          <a:xfrm>
+            <a:off x="1143225" y="685800"/>
+            <a:ext cx="4572300" cy="3429000"/>
           </a:xfrm>
           <a:custGeom>
             <a:avLst/>
@@ -11108,399 +11003,6 @@
     </p:bg>
     <p:spTree>
       <p:nvGrpSpPr>
-        <p:cNvPr id="1" name="Shape 196"/>
-        <p:cNvGrpSpPr/>
-        <p:nvPr/>
-      </p:nvGrpSpPr>
-      <p:grpSpPr>
-        <a:xfrm>
-          <a:off x="0" y="0"/>
-          <a:ext cx="0" cy="0"/>
-          <a:chOff x="0" y="0"/>
-          <a:chExt cx="0" cy="0"/>
-        </a:xfrm>
-      </p:grpSpPr>
-      <p:sp>
-        <p:nvSpPr>
-          <p:cNvPr id="197" name="Google Shape;197;p24"/>
-          <p:cNvSpPr txBox="1">
-            <a:spLocks noGrp="1"/>
-          </p:cNvSpPr>
-          <p:nvPr>
-            <p:ph type="title"/>
-          </p:nvPr>
-        </p:nvSpPr>
-        <p:spPr>
-          <a:xfrm>
-            <a:off x="457200" y="274638"/>
-            <a:ext cx="8229600" cy="1143000"/>
-          </a:xfrm>
-          <a:prstGeom prst="rect">
-            <a:avLst/>
-          </a:prstGeom>
-          <a:noFill/>
-          <a:ln>
-            <a:noFill/>
-          </a:ln>
-        </p:spPr>
-        <p:txBody>
-          <a:bodyPr spcFirstLastPara="1" wrap="square" lIns="91425" tIns="45700" rIns="91425" bIns="45700" anchor="ctr" anchorCtr="0">
-            <a:normAutofit/>
-          </a:bodyPr>
-          <a:lstStyle/>
-          <a:p>
-            <a:pPr marL="0" lvl="0" indent="0" algn="l" rtl="0">
-              <a:spcBef>
-                <a:spcPts val="0"/>
-              </a:spcBef>
-              <a:spcAft>
-                <a:spcPts val="0"/>
-              </a:spcAft>
-              <a:buClr>
-                <a:srgbClr val="0066CC"/>
-              </a:buClr>
-              <a:buSzPts val="3200"/>
-              <a:buFont typeface="Calibri"/>
-              <a:buNone/>
-            </a:pPr>
-            <a:r>
-              <a:rPr lang="en-US" sz="3200" b="1">
-                <a:solidFill>
-                  <a:srgbClr val="FFFFFF"/>
-                </a:solidFill>
-                <a:latin typeface="Calibri"/>
-                <a:ea typeface="Calibri"/>
-                <a:cs typeface="Calibri"/>
-                <a:sym typeface="Calibri"/>
-              </a:rPr>
-              <a:t>Deployment Strategy</a:t>
-            </a:r>
-            <a:endParaRPr>
-              <a:solidFill>
-                <a:srgbClr val="FFFFFF"/>
-              </a:solidFill>
-            </a:endParaRPr>
-          </a:p>
-        </p:txBody>
-      </p:sp>
-      <p:sp>
-        <p:nvSpPr>
-          <p:cNvPr id="198" name="Google Shape;198;p24"/>
-          <p:cNvSpPr txBox="1">
-            <a:spLocks noGrp="1"/>
-          </p:cNvSpPr>
-          <p:nvPr>
-            <p:ph type="body" idx="1"/>
-          </p:nvPr>
-        </p:nvSpPr>
-        <p:spPr>
-          <a:xfrm>
-            <a:off x="457200" y="1600200"/>
-            <a:ext cx="8229600" cy="4526100"/>
-          </a:xfrm>
-          <a:prstGeom prst="rect">
-            <a:avLst/>
-          </a:prstGeom>
-          <a:noFill/>
-          <a:ln w="9525" cap="flat" cmpd="sng">
-            <a:solidFill>
-              <a:srgbClr val="FFFFFF"/>
-            </a:solidFill>
-            <a:prstDash val="solid"/>
-            <a:round/>
-            <a:headEnd type="none" w="sm" len="sm"/>
-            <a:tailEnd type="none" w="sm" len="sm"/>
-          </a:ln>
-        </p:spPr>
-        <p:txBody>
-          <a:bodyPr spcFirstLastPara="1" wrap="square" lIns="91425" tIns="45700" rIns="91425" bIns="45700" anchor="t" anchorCtr="0">
-            <a:noAutofit/>
-          </a:bodyPr>
-          <a:lstStyle/>
-          <a:p>
-            <a:pPr marL="457200" lvl="0" indent="-355600" algn="l" rtl="0">
-              <a:spcBef>
-                <a:spcPts val="0"/>
-              </a:spcBef>
-              <a:spcAft>
-                <a:spcPts val="0"/>
-              </a:spcAft>
-              <a:buClr>
-                <a:srgbClr val="FFFFFF"/>
-              </a:buClr>
-              <a:buSzPts val="2000"/>
-              <a:buChar char="●"/>
-            </a:pPr>
-            <a:r>
-              <a:rPr lang="en-US" sz="2000">
-                <a:solidFill>
-                  <a:srgbClr val="FFFFFF"/>
-                </a:solidFill>
-                <a:latin typeface="Quattrocento Sans"/>
-                <a:ea typeface="Quattrocento Sans"/>
-                <a:cs typeface="Quattrocento Sans"/>
-                <a:sym typeface="Quattrocento Sans"/>
-              </a:rPr>
-              <a:t>Containerized with Docker</a:t>
-            </a:r>
-            <a:endParaRPr>
-              <a:solidFill>
-                <a:srgbClr val="FFFFFF"/>
-              </a:solidFill>
-            </a:endParaRPr>
-          </a:p>
-          <a:p>
-            <a:pPr marL="457200" lvl="0" indent="-355600" algn="l" rtl="0">
-              <a:spcBef>
-                <a:spcPts val="400"/>
-              </a:spcBef>
-              <a:spcAft>
-                <a:spcPts val="0"/>
-              </a:spcAft>
-              <a:buClr>
-                <a:srgbClr val="FFFFFF"/>
-              </a:buClr>
-              <a:buSzPts val="2000"/>
-              <a:buChar char="●"/>
-            </a:pPr>
-            <a:r>
-              <a:rPr lang="en-US" sz="2000">
-                <a:solidFill>
-                  <a:srgbClr val="FFFFFF"/>
-                </a:solidFill>
-                <a:latin typeface="Quattrocento Sans"/>
-                <a:ea typeface="Quattrocento Sans"/>
-                <a:cs typeface="Quattrocento Sans"/>
-                <a:sym typeface="Quattrocento Sans"/>
-              </a:rPr>
-              <a:t>Microservices on Kubernetes</a:t>
-            </a:r>
-            <a:endParaRPr>
-              <a:solidFill>
-                <a:srgbClr val="FFFFFF"/>
-              </a:solidFill>
-            </a:endParaRPr>
-          </a:p>
-          <a:p>
-            <a:pPr marL="457200" lvl="0" indent="-355600" algn="l" rtl="0">
-              <a:spcBef>
-                <a:spcPts val="400"/>
-              </a:spcBef>
-              <a:spcAft>
-                <a:spcPts val="0"/>
-              </a:spcAft>
-              <a:buClr>
-                <a:srgbClr val="FFFFFF"/>
-              </a:buClr>
-              <a:buSzPts val="2000"/>
-              <a:buChar char="●"/>
-            </a:pPr>
-            <a:r>
-              <a:rPr lang="en-US" sz="2000">
-                <a:solidFill>
-                  <a:srgbClr val="FFFFFF"/>
-                </a:solidFill>
-                <a:latin typeface="Quattrocento Sans"/>
-                <a:ea typeface="Quattrocento Sans"/>
-                <a:cs typeface="Quattrocento Sans"/>
-                <a:sym typeface="Quattrocento Sans"/>
-              </a:rPr>
-              <a:t>Option for FastAPI-based REST</a:t>
-            </a:r>
-            <a:endParaRPr>
-              <a:solidFill>
-                <a:srgbClr val="FFFFFF"/>
-              </a:solidFill>
-            </a:endParaRPr>
-          </a:p>
-          <a:p>
-            <a:pPr marL="457200" lvl="0" indent="-355600" algn="l" rtl="0">
-              <a:spcBef>
-                <a:spcPts val="400"/>
-              </a:spcBef>
-              <a:spcAft>
-                <a:spcPts val="0"/>
-              </a:spcAft>
-              <a:buClr>
-                <a:srgbClr val="FFFFFF"/>
-              </a:buClr>
-              <a:buSzPts val="2000"/>
-              <a:buChar char="●"/>
-            </a:pPr>
-            <a:r>
-              <a:rPr lang="en-US" sz="2000">
-                <a:solidFill>
-                  <a:srgbClr val="FFFFFF"/>
-                </a:solidFill>
-                <a:latin typeface="Quattrocento Sans"/>
-                <a:ea typeface="Quattrocento Sans"/>
-                <a:cs typeface="Quattrocento Sans"/>
-                <a:sym typeface="Quattrocento Sans"/>
-              </a:rPr>
-              <a:t>Deployable via Helm or</a:t>
-            </a:r>
-            <a:endParaRPr sz="2000">
-              <a:solidFill>
-                <a:srgbClr val="FFFFFF"/>
-              </a:solidFill>
-              <a:latin typeface="Quattrocento Sans"/>
-              <a:ea typeface="Quattrocento Sans"/>
-              <a:cs typeface="Quattrocento Sans"/>
-              <a:sym typeface="Quattrocento Sans"/>
-            </a:endParaRPr>
-          </a:p>
-          <a:p>
-            <a:pPr marL="457200" lvl="0" indent="-355600" algn="l" rtl="0">
-              <a:spcBef>
-                <a:spcPts val="1200"/>
-              </a:spcBef>
-              <a:spcAft>
-                <a:spcPts val="0"/>
-              </a:spcAft>
-              <a:buClr>
-                <a:srgbClr val="FFFFFF"/>
-              </a:buClr>
-              <a:buSzPts val="2000"/>
-              <a:buChar char="●"/>
-            </a:pPr>
-            <a:r>
-              <a:rPr lang="en-US" sz="2000">
-                <a:solidFill>
-                  <a:srgbClr val="FFFFFF"/>
-                </a:solidFill>
-                <a:latin typeface="Quattrocento Sans"/>
-                <a:ea typeface="Quattrocento Sans"/>
-                <a:cs typeface="Quattrocento Sans"/>
-                <a:sym typeface="Quattrocento Sans"/>
-              </a:rPr>
-              <a:t> Docker Compose</a:t>
-            </a:r>
-            <a:endParaRPr>
-              <a:solidFill>
-                <a:srgbClr val="FFFFFF"/>
-              </a:solidFill>
-            </a:endParaRPr>
-          </a:p>
-          <a:p>
-            <a:pPr marL="457200" lvl="0" indent="-228600" algn="l" rtl="0">
-              <a:spcBef>
-                <a:spcPts val="1400"/>
-              </a:spcBef>
-              <a:spcAft>
-                <a:spcPts val="0"/>
-              </a:spcAft>
-              <a:buNone/>
-            </a:pPr>
-            <a:endParaRPr sz="1600" b="1">
-              <a:solidFill>
-                <a:srgbClr val="FFFFFF"/>
-              </a:solidFill>
-              <a:latin typeface="Aptos"/>
-              <a:ea typeface="Aptos"/>
-              <a:cs typeface="Aptos"/>
-              <a:sym typeface="Aptos"/>
-            </a:endParaRPr>
-          </a:p>
-          <a:p>
-            <a:pPr marL="457200" lvl="0" indent="-323850" algn="l" rtl="0">
-              <a:spcBef>
-                <a:spcPts val="1200"/>
-              </a:spcBef>
-              <a:spcAft>
-                <a:spcPts val="0"/>
-              </a:spcAft>
-              <a:buClr>
-                <a:srgbClr val="FFFFFF"/>
-              </a:buClr>
-              <a:buSzPts val="1500"/>
-              <a:buFont typeface="Aptos"/>
-              <a:buChar char="●"/>
-            </a:pPr>
-            <a:endParaRPr sz="2500" b="1">
-              <a:solidFill>
-                <a:srgbClr val="FFFFFF"/>
-              </a:solidFill>
-              <a:latin typeface="Aptos"/>
-              <a:ea typeface="Aptos"/>
-              <a:cs typeface="Aptos"/>
-              <a:sym typeface="Aptos"/>
-            </a:endParaRPr>
-          </a:p>
-          <a:p>
-            <a:pPr marL="342900" lvl="0" indent="-393700" algn="l" rtl="0">
-              <a:spcBef>
-                <a:spcPts val="400"/>
-              </a:spcBef>
-              <a:spcAft>
-                <a:spcPts val="1200"/>
-              </a:spcAft>
-              <a:buSzPts val="2800"/>
-              <a:buFont typeface="Quattrocento Sans"/>
-              <a:buChar char="●"/>
-            </a:pPr>
-            <a:endParaRPr sz="2800">
-              <a:latin typeface="Quattrocento Sans"/>
-              <a:ea typeface="Quattrocento Sans"/>
-              <a:cs typeface="Quattrocento Sans"/>
-              <a:sym typeface="Quattrocento Sans"/>
-            </a:endParaRPr>
-          </a:p>
-        </p:txBody>
-      </p:sp>
-      <p:pic>
-        <p:nvPicPr>
-          <p:cNvPr id="199" name="Google Shape;199;p24"/>
-          <p:cNvPicPr preferRelativeResize="0"/>
-          <p:nvPr/>
-        </p:nvPicPr>
-        <p:blipFill>
-          <a:blip r:embed="rId4">
-            <a:alphaModFix/>
-          </a:blip>
-          <a:stretch>
-            <a:fillRect/>
-          </a:stretch>
-        </p:blipFill>
-        <p:spPr>
-          <a:xfrm>
-            <a:off x="4572000" y="274650"/>
-            <a:ext cx="4034375" cy="5689825"/>
-          </a:xfrm>
-          <a:prstGeom prst="rect">
-            <a:avLst/>
-          </a:prstGeom>
-          <a:noFill/>
-          <a:ln>
-            <a:noFill/>
-          </a:ln>
-        </p:spPr>
-      </p:pic>
-    </p:spTree>
-  </p:cSld>
-  <p:clrMapOvr>
-    <a:masterClrMapping/>
-  </p:clrMapOvr>
-</p:sld>
-</file>
-
-<file path=ppt/slides/slide11.xml><?xml version="1.0" encoding="utf-8"?>
-<p:sld xmlns:a="http://schemas.openxmlformats.org/drawingml/2006/main" xmlns:r="http://schemas.openxmlformats.org/officeDocument/2006/relationships" xmlns:p="http://schemas.openxmlformats.org/presentationml/2006/main">
-  <p:cSld>
-    <p:bg>
-      <p:bgPr>
-        <a:blipFill>
-          <a:blip r:embed="rId3">
-            <a:alphaModFix/>
-          </a:blip>
-          <a:stretch>
-            <a:fillRect/>
-          </a:stretch>
-        </a:blipFill>
-        <a:effectLst/>
-      </p:bgPr>
-    </p:bg>
-    <p:spTree>
-      <p:nvGrpSpPr>
         <p:cNvPr id="1" name="Shape 203"/>
         <p:cNvGrpSpPr/>
         <p:nvPr/>
@@ -11766,7 +11268,7 @@
 </p:sld>
 </file>
 
-<file path=ppt/slides/slide12.xml><?xml version="1.0" encoding="utf-8"?>
+<file path=ppt/slides/slide11.xml><?xml version="1.0" encoding="utf-8"?>
 <p:sld xmlns:a="http://schemas.openxmlformats.org/drawingml/2006/main" xmlns:r="http://schemas.openxmlformats.org/officeDocument/2006/relationships" xmlns:p="http://schemas.openxmlformats.org/presentationml/2006/main">
   <p:cSld>
     <p:bg>
@@ -15561,7 +15063,7 @@
               <a:buNone/>
             </a:pPr>
             <a:r>
-              <a:rPr lang="en-US" sz="1600" b="1">
+              <a:rPr lang="en-US" sz="1600" b="1" dirty="0">
                 <a:solidFill>
                   <a:srgbClr val="FFFFFF"/>
                 </a:solidFill>
@@ -15572,7 +15074,7 @@
               </a:rPr>
               <a:t>ML Models</a:t>
             </a:r>
-            <a:endParaRPr sz="1600" b="1">
+            <a:endParaRPr sz="1600" b="1" dirty="0">
               <a:solidFill>
                 <a:srgbClr val="FFFFFF"/>
               </a:solidFill>
@@ -15592,7 +15094,7 @@
               </a:spcAft>
               <a:buNone/>
             </a:pPr>
-            <a:endParaRPr sz="1500">
+            <a:endParaRPr sz="1500" dirty="0">
               <a:solidFill>
                 <a:srgbClr val="FFFFFF"/>
               </a:solidFill>
@@ -15618,7 +15120,7 @@
               <a:buChar char="●"/>
             </a:pPr>
             <a:r>
-              <a:rPr lang="en-US" sz="1500" b="1">
+              <a:rPr lang="en-US" sz="1500" b="1" dirty="0">
                 <a:solidFill>
                   <a:srgbClr val="FFFFFF"/>
                 </a:solidFill>
@@ -15630,7 +15132,7 @@
               <a:t>iPhone Agent</a:t>
             </a:r>
             <a:r>
-              <a:rPr lang="en-US" sz="1500">
+              <a:rPr lang="en-US" sz="1500" dirty="0">
                 <a:solidFill>
                   <a:srgbClr val="FFFFFF"/>
                 </a:solidFill>
@@ -15639,9 +15141,33 @@
                 <a:cs typeface="Aptos"/>
                 <a:sym typeface="Aptos"/>
               </a:rPr>
-              <a:t>: Random Forest with TF-IDF vectorization and optional TextBlob sentiment analysis</a:t>
+              <a:t>: Random Forest with TF-IDF vectorization and optional </a:t>
             </a:r>
-            <a:endParaRPr sz="1500">
+            <a:r>
+              <a:rPr lang="en-US" sz="1500" dirty="0" err="1">
+                <a:solidFill>
+                  <a:srgbClr val="FFFFFF"/>
+                </a:solidFill>
+                <a:latin typeface="Aptos"/>
+                <a:ea typeface="Aptos"/>
+                <a:cs typeface="Aptos"/>
+                <a:sym typeface="Aptos"/>
+              </a:rPr>
+              <a:t>TextBlob</a:t>
+            </a:r>
+            <a:r>
+              <a:rPr lang="en-US" sz="1500" dirty="0">
+                <a:solidFill>
+                  <a:srgbClr val="FFFFFF"/>
+                </a:solidFill>
+                <a:latin typeface="Aptos"/>
+                <a:ea typeface="Aptos"/>
+                <a:cs typeface="Aptos"/>
+                <a:sym typeface="Aptos"/>
+              </a:rPr>
+              <a:t> sentiment analysis</a:t>
+            </a:r>
+            <a:endParaRPr sz="1500" dirty="0">
               <a:solidFill>
                 <a:srgbClr val="FFFFFF"/>
               </a:solidFill>
@@ -15667,7 +15193,7 @@
               <a:buChar char="○"/>
             </a:pPr>
             <a:r>
-              <a:rPr lang="en-US" sz="1500">
+              <a:rPr lang="en-US" sz="1500" dirty="0">
                 <a:solidFill>
                   <a:srgbClr val="FFFFFF"/>
                 </a:solidFill>
@@ -15679,7 +15205,7 @@
               <a:t>a2a_iphone_sentiment_agent.py</a:t>
             </a:r>
             <a:r>
-              <a:rPr lang="en-US" sz="1500">
+              <a:rPr lang="en-US" sz="1500" dirty="0">
                 <a:solidFill>
                   <a:srgbClr val="FFFFFF"/>
                 </a:solidFill>
@@ -15688,9 +15214,21 @@
                 <a:cs typeface="Aptos"/>
                 <a:sym typeface="Aptos"/>
               </a:rPr>
-              <a:t> loads review CSVs, vectorizes reviews, applies RandomForestClassifier</a:t>
+              <a:t> loads review CSVs, vectorizes reviews, applies </a:t>
             </a:r>
-            <a:endParaRPr sz="1500">
+            <a:r>
+              <a:rPr lang="en-US" sz="1500" dirty="0" err="1">
+                <a:solidFill>
+                  <a:srgbClr val="FFFFFF"/>
+                </a:solidFill>
+                <a:latin typeface="Aptos"/>
+                <a:ea typeface="Aptos"/>
+                <a:cs typeface="Aptos"/>
+                <a:sym typeface="Aptos"/>
+              </a:rPr>
+              <a:t>RandomForestClassifier</a:t>
+            </a:r>
+            <a:endParaRPr sz="1500" dirty="0">
               <a:solidFill>
                 <a:srgbClr val="FFFFFF"/>
               </a:solidFill>
@@ -15716,7 +15254,7 @@
               <a:buChar char="○"/>
             </a:pPr>
             <a:r>
-              <a:rPr lang="en-US" sz="1500">
+              <a:rPr lang="en-US" sz="1500" dirty="0">
                 <a:solidFill>
                   <a:srgbClr val="FFFFFF"/>
                 </a:solidFill>
@@ -15727,7 +15265,7 @@
               </a:rPr>
               <a:t>Sentiment is derived from Amazon star ratings and review content</a:t>
             </a:r>
-            <a:endParaRPr sz="1500">
+            <a:endParaRPr sz="1500" dirty="0">
               <a:solidFill>
                 <a:srgbClr val="FFFFFF"/>
               </a:solidFill>
@@ -15753,7 +15291,7 @@
               <a:buChar char="○"/>
             </a:pPr>
             <a:r>
-              <a:rPr lang="en-US" sz="1500">
+              <a:rPr lang="en-US" sz="1500" dirty="0">
                 <a:solidFill>
                   <a:srgbClr val="FFFFFF"/>
                 </a:solidFill>
@@ -15765,7 +15303,7 @@
               <a:t>Alternative lightweight path uses </a:t>
             </a:r>
             <a:r>
-              <a:rPr lang="en-US" sz="1500">
+              <a:rPr lang="en-US" sz="1500" dirty="0" err="1">
                 <a:solidFill>
                   <a:srgbClr val="FFFFFF"/>
                 </a:solidFill>
@@ -15777,7 +15315,7 @@
               <a:t>TextBlob</a:t>
             </a:r>
             <a:r>
-              <a:rPr lang="en-US" sz="1500">
+              <a:rPr lang="en-US" sz="1500" dirty="0">
                 <a:solidFill>
                   <a:srgbClr val="FFFFFF"/>
                 </a:solidFill>
@@ -15788,7 +15326,7 @@
               </a:rPr>
               <a:t> polarity scoring</a:t>
             </a:r>
-            <a:endParaRPr sz="1500">
+            <a:endParaRPr sz="1500" dirty="0">
               <a:solidFill>
                 <a:srgbClr val="FFFFFF"/>
               </a:solidFill>
@@ -15814,7 +15352,7 @@
               <a:buChar char="○"/>
             </a:pPr>
             <a:r>
-              <a:rPr lang="en-US" sz="1500">
+              <a:rPr lang="en-US" sz="1500" dirty="0">
                 <a:solidFill>
                   <a:srgbClr val="FFFFFF"/>
                 </a:solidFill>
@@ -15826,7 +15364,7 @@
               <a:t>Example Query: </a:t>
             </a:r>
             <a:r>
-              <a:rPr lang="en-US" sz="1500" i="1">
+              <a:rPr lang="en-US" sz="1500" i="1" dirty="0">
                 <a:solidFill>
                   <a:srgbClr val="FFFFFF"/>
                 </a:solidFill>
@@ -15837,7 +15375,7 @@
               </a:rPr>
               <a:t>"The iPhone battery drains too fast."</a:t>
             </a:r>
-            <a:endParaRPr sz="1500" i="1">
+            <a:endParaRPr sz="1500" i="1" dirty="0">
               <a:solidFill>
                 <a:srgbClr val="FFFFFF"/>
               </a:solidFill>
@@ -15863,7 +15401,7 @@
               <a:buChar char="○"/>
             </a:pPr>
             <a:r>
-              <a:rPr lang="en-US" sz="1500">
+              <a:rPr lang="en-US" sz="1500" dirty="0">
                 <a:solidFill>
                   <a:srgbClr val="FFFFFF"/>
                 </a:solidFill>
@@ -15875,7 +15413,7 @@
               <a:t>Output: </a:t>
             </a:r>
             <a:r>
-              <a:rPr lang="en-US" sz="1500" b="1">
+              <a:rPr lang="en-US" sz="1500" b="1" dirty="0">
                 <a:solidFill>
                   <a:srgbClr val="FFFFFF"/>
                 </a:solidFill>
@@ -15887,7 +15425,7 @@
               <a:t>Negative</a:t>
             </a:r>
             <a:r>
-              <a:rPr lang="en-US" sz="1500">
+              <a:rPr lang="en-US" sz="1500" dirty="0">
                 <a:solidFill>
                   <a:srgbClr val="FFFFFF"/>
                 </a:solidFill>
@@ -15896,35 +15434,10 @@
                 <a:cs typeface="Aptos"/>
                 <a:sym typeface="Aptos"/>
               </a:rPr>
-              <a:t> sentiment (probability from RF classifier or polarity &lt; -0.1 from TextBlob)</a:t>
+              <a:t> sentiment (probability from RF classifier or polarity &lt; -0.1 from </a:t>
             </a:r>
-            <a:endParaRPr sz="1500">
-              <a:solidFill>
-                <a:srgbClr val="FFFFFF"/>
-              </a:solidFill>
-              <a:latin typeface="Aptos"/>
-              <a:ea typeface="Aptos"/>
-              <a:cs typeface="Aptos"/>
-              <a:sym typeface="Aptos"/>
-            </a:endParaRPr>
-          </a:p>
-          <a:p>
-            <a:pPr marL="914400" lvl="1" indent="-323850" algn="l" rtl="0">
-              <a:spcBef>
-                <a:spcPts val="0"/>
-              </a:spcBef>
-              <a:spcAft>
-                <a:spcPts val="0"/>
-              </a:spcAft>
-              <a:buClr>
-                <a:srgbClr val="FFFFFF"/>
-              </a:buClr>
-              <a:buSzPts val="1500"/>
-              <a:buFont typeface="Aptos"/>
-              <a:buChar char="○"/>
-            </a:pPr>
             <a:r>
-              <a:rPr lang="en-US" sz="1600" b="1">
+              <a:rPr lang="en-US" sz="1500" dirty="0" err="1">
                 <a:solidFill>
                   <a:srgbClr val="FFFFFF"/>
                 </a:solidFill>
@@ -15933,62 +15446,10 @@
                 <a:cs typeface="Aptos"/>
                 <a:sym typeface="Aptos"/>
               </a:rPr>
-              <a:t>Routing Agent </a:t>
+              <a:t>TextBlob</a:t>
             </a:r>
             <a:r>
-              <a:rPr lang="en-US" sz="1200">
-                <a:solidFill>
-                  <a:srgbClr val="000000"/>
-                </a:solidFill>
-                <a:latin typeface="Aptos"/>
-                <a:ea typeface="Aptos"/>
-                <a:cs typeface="Aptos"/>
-                <a:sym typeface="Aptos"/>
-              </a:rPr>
-              <a:t>Uses keyword classification or sentence embeddings to identify target agent</a:t>
-            </a:r>
-            <a:endParaRPr sz="1200">
-              <a:solidFill>
-                <a:srgbClr val="000000"/>
-              </a:solidFill>
-              <a:latin typeface="Aptos"/>
-              <a:ea typeface="Aptos"/>
-              <a:cs typeface="Aptos"/>
-              <a:sym typeface="Aptos"/>
-            </a:endParaRPr>
-          </a:p>
-          <a:p>
-            <a:pPr marL="457200" lvl="0" indent="-330200" algn="l" rtl="0">
-              <a:lnSpc>
-                <a:spcPct val="100000"/>
-              </a:lnSpc>
-              <a:spcBef>
-                <a:spcPts val="0"/>
-              </a:spcBef>
-              <a:spcAft>
-                <a:spcPts val="0"/>
-              </a:spcAft>
-              <a:buClr>
-                <a:srgbClr val="FFFFFF"/>
-              </a:buClr>
-              <a:buSzPts val="1600"/>
-              <a:buFont typeface="Aptos"/>
-              <a:buChar char="●"/>
-            </a:pPr>
-            <a:r>
-              <a:rPr lang="en-US" sz="1600">
-                <a:solidFill>
-                  <a:srgbClr val="FFFFFF"/>
-                </a:solidFill>
-                <a:latin typeface="Roboto Mono"/>
-                <a:ea typeface="Roboto Mono"/>
-                <a:cs typeface="Roboto Mono"/>
-                <a:sym typeface="Roboto Mono"/>
-              </a:rPr>
-              <a:t>a2a_main.py</a:t>
-            </a:r>
-            <a:r>
-              <a:rPr lang="en-US" sz="1600">
+              <a:rPr lang="en-US" sz="1500" dirty="0">
                 <a:solidFill>
                   <a:srgbClr val="FFFFFF"/>
                 </a:solidFill>
@@ -15997,97 +15458,9 @@
                 <a:cs typeface="Aptos"/>
                 <a:sym typeface="Aptos"/>
               </a:rPr>
-              <a:t> uses </a:t>
+              <a:t>)</a:t>
             </a:r>
-            <a:r>
-              <a:rPr lang="en-US" sz="1600">
-                <a:solidFill>
-                  <a:srgbClr val="FFFFFF"/>
-                </a:solidFill>
-                <a:latin typeface="Roboto Mono"/>
-                <a:ea typeface="Roboto Mono"/>
-                <a:cs typeface="Roboto Mono"/>
-                <a:sym typeface="Roboto Mono"/>
-              </a:rPr>
-              <a:t>mcp.call(tool_name, input)</a:t>
-            </a:r>
-            <a:r>
-              <a:rPr lang="en-US" sz="1600">
-                <a:solidFill>
-                  <a:srgbClr val="FFFFFF"/>
-                </a:solidFill>
-                <a:latin typeface="Aptos"/>
-                <a:ea typeface="Aptos"/>
-                <a:cs typeface="Aptos"/>
-                <a:sym typeface="Aptos"/>
-              </a:rPr>
-              <a:t> to route user query</a:t>
-            </a:r>
-            <a:endParaRPr sz="1600">
-              <a:solidFill>
-                <a:srgbClr val="FFFFFF"/>
-              </a:solidFill>
-              <a:latin typeface="Aptos"/>
-              <a:ea typeface="Aptos"/>
-              <a:cs typeface="Aptos"/>
-              <a:sym typeface="Aptos"/>
-            </a:endParaRPr>
-          </a:p>
-          <a:p>
-            <a:pPr marL="457200" lvl="0" indent="-330200" algn="l" rtl="0">
-              <a:lnSpc>
-                <a:spcPct val="100000"/>
-              </a:lnSpc>
-              <a:spcBef>
-                <a:spcPts val="0"/>
-              </a:spcBef>
-              <a:spcAft>
-                <a:spcPts val="0"/>
-              </a:spcAft>
-              <a:buClr>
-                <a:srgbClr val="FFFFFF"/>
-              </a:buClr>
-              <a:buSzPts val="1600"/>
-              <a:buFont typeface="Aptos"/>
-              <a:buChar char="●"/>
-            </a:pPr>
-            <a:r>
-              <a:rPr lang="en-US" sz="1600">
-                <a:solidFill>
-                  <a:srgbClr val="FFFFFF"/>
-                </a:solidFill>
-                <a:latin typeface="Aptos"/>
-                <a:ea typeface="Aptos"/>
-                <a:cs typeface="Aptos"/>
-                <a:sym typeface="Aptos"/>
-              </a:rPr>
-              <a:t>Routing Accuracy observed: </a:t>
-            </a:r>
-            <a:r>
-              <a:rPr lang="en-US" sz="1600" b="1">
-                <a:solidFill>
-                  <a:srgbClr val="FFFFFF"/>
-                </a:solidFill>
-                <a:latin typeface="Aptos"/>
-                <a:ea typeface="Aptos"/>
-                <a:cs typeface="Aptos"/>
-                <a:sym typeface="Aptos"/>
-              </a:rPr>
-              <a:t>100%</a:t>
-            </a:r>
-            <a:r>
-              <a:rPr lang="en-US" sz="1600">
-                <a:solidFill>
-                  <a:srgbClr val="FFFFFF"/>
-                </a:solidFill>
-                <a:latin typeface="Aptos"/>
-                <a:ea typeface="Aptos"/>
-                <a:cs typeface="Aptos"/>
-                <a:sym typeface="Aptos"/>
-              </a:rPr>
-              <a:t> in test samples</a:t>
-            </a:r>
-            <a:endParaRPr sz="2000" b="1">
+            <a:endParaRPr sz="1500" dirty="0">
               <a:solidFill>
                 <a:srgbClr val="FFFFFF"/>
               </a:solidFill>
@@ -16107,178 +15480,7 @@
               </a:spcAft>
               <a:buNone/>
             </a:pPr>
-            <a:endParaRPr sz="1600" b="1">
-              <a:solidFill>
-                <a:srgbClr val="FFFFFF"/>
-              </a:solidFill>
-              <a:latin typeface="Aptos"/>
-              <a:ea typeface="Aptos"/>
-              <a:cs typeface="Aptos"/>
-              <a:sym typeface="Aptos"/>
-            </a:endParaRPr>
-          </a:p>
-          <a:p>
-            <a:pPr marL="457200" lvl="0" indent="-323850" algn="l" rtl="0">
-              <a:spcBef>
-                <a:spcPts val="1200"/>
-              </a:spcBef>
-              <a:spcAft>
-                <a:spcPts val="0"/>
-              </a:spcAft>
-              <a:buClr>
-                <a:srgbClr val="FFFFFF"/>
-              </a:buClr>
-              <a:buSzPts val="1500"/>
-              <a:buFont typeface="Aptos"/>
-              <a:buChar char="●"/>
-            </a:pPr>
-            <a:r>
-              <a:rPr lang="en-US" sz="1500">
-                <a:solidFill>
-                  <a:srgbClr val="FFFFFF"/>
-                </a:solidFill>
-                <a:latin typeface="Aptos"/>
-                <a:ea typeface="Aptos"/>
-                <a:cs typeface="Aptos"/>
-                <a:sym typeface="Aptos"/>
-              </a:rPr>
-              <a:t>Uses keyword classification or sentence embeddings to identify target agent</a:t>
-            </a:r>
-            <a:endParaRPr sz="1500">
-              <a:solidFill>
-                <a:srgbClr val="FFFFFF"/>
-              </a:solidFill>
-              <a:latin typeface="Aptos"/>
-              <a:ea typeface="Aptos"/>
-              <a:cs typeface="Aptos"/>
-              <a:sym typeface="Aptos"/>
-            </a:endParaRPr>
-          </a:p>
-          <a:p>
-            <a:pPr marL="457200" lvl="0" indent="-323850" algn="l" rtl="0">
-              <a:spcBef>
-                <a:spcPts val="0"/>
-              </a:spcBef>
-              <a:spcAft>
-                <a:spcPts val="0"/>
-              </a:spcAft>
-              <a:buClr>
-                <a:srgbClr val="FFFFFF"/>
-              </a:buClr>
-              <a:buSzPts val="1500"/>
-              <a:buFont typeface="Aptos"/>
-              <a:buChar char="●"/>
-            </a:pPr>
-            <a:r>
-              <a:rPr lang="en-US" sz="1500">
-                <a:solidFill>
-                  <a:srgbClr val="FFFFFF"/>
-                </a:solidFill>
-                <a:latin typeface="Roboto Mono"/>
-                <a:ea typeface="Roboto Mono"/>
-                <a:cs typeface="Roboto Mono"/>
-                <a:sym typeface="Roboto Mono"/>
-              </a:rPr>
-              <a:t>a2a_main.py</a:t>
-            </a:r>
-            <a:r>
-              <a:rPr lang="en-US" sz="1500">
-                <a:solidFill>
-                  <a:srgbClr val="FFFFFF"/>
-                </a:solidFill>
-                <a:latin typeface="Aptos"/>
-                <a:ea typeface="Aptos"/>
-                <a:cs typeface="Aptos"/>
-                <a:sym typeface="Aptos"/>
-              </a:rPr>
-              <a:t> uses </a:t>
-            </a:r>
-            <a:r>
-              <a:rPr lang="en-US" sz="1500">
-                <a:solidFill>
-                  <a:srgbClr val="FFFFFF"/>
-                </a:solidFill>
-                <a:latin typeface="Roboto Mono"/>
-                <a:ea typeface="Roboto Mono"/>
-                <a:cs typeface="Roboto Mono"/>
-                <a:sym typeface="Roboto Mono"/>
-              </a:rPr>
-              <a:t>mcp.call(tool_name, input)</a:t>
-            </a:r>
-            <a:r>
-              <a:rPr lang="en-US" sz="1500">
-                <a:solidFill>
-                  <a:srgbClr val="FFFFFF"/>
-                </a:solidFill>
-                <a:latin typeface="Aptos"/>
-                <a:ea typeface="Aptos"/>
-                <a:cs typeface="Aptos"/>
-                <a:sym typeface="Aptos"/>
-              </a:rPr>
-              <a:t> to route user query</a:t>
-            </a:r>
-            <a:endParaRPr sz="1500">
-              <a:solidFill>
-                <a:srgbClr val="FFFFFF"/>
-              </a:solidFill>
-              <a:latin typeface="Aptos"/>
-              <a:ea typeface="Aptos"/>
-              <a:cs typeface="Aptos"/>
-              <a:sym typeface="Aptos"/>
-            </a:endParaRPr>
-          </a:p>
-          <a:p>
-            <a:pPr marL="457200" lvl="0" indent="-323850" algn="l" rtl="0">
-              <a:spcBef>
-                <a:spcPts val="0"/>
-              </a:spcBef>
-              <a:spcAft>
-                <a:spcPts val="0"/>
-              </a:spcAft>
-              <a:buClr>
-                <a:srgbClr val="FFFFFF"/>
-              </a:buClr>
-              <a:buSzPts val="1500"/>
-              <a:buFont typeface="Aptos"/>
-              <a:buChar char="●"/>
-            </a:pPr>
-            <a:r>
-              <a:rPr lang="en-US" sz="1500">
-                <a:solidFill>
-                  <a:srgbClr val="FFFFFF"/>
-                </a:solidFill>
-                <a:latin typeface="Aptos"/>
-                <a:ea typeface="Aptos"/>
-                <a:cs typeface="Aptos"/>
-                <a:sym typeface="Aptos"/>
-              </a:rPr>
-              <a:t>Routing Accuracy observed: </a:t>
-            </a:r>
-            <a:r>
-              <a:rPr lang="en-US" sz="1500" b="1">
-                <a:solidFill>
-                  <a:srgbClr val="FFFFFF"/>
-                </a:solidFill>
-                <a:latin typeface="Aptos"/>
-                <a:ea typeface="Aptos"/>
-                <a:cs typeface="Aptos"/>
-                <a:sym typeface="Aptos"/>
-              </a:rPr>
-              <a:t>100%</a:t>
-            </a:r>
-            <a:r>
-              <a:rPr lang="en-US" sz="1500">
-                <a:solidFill>
-                  <a:srgbClr val="FFFFFF"/>
-                </a:solidFill>
-                <a:latin typeface="Aptos"/>
-                <a:ea typeface="Aptos"/>
-                <a:cs typeface="Aptos"/>
-                <a:sym typeface="Aptos"/>
-              </a:rPr>
-              <a:t> in test samples</a:t>
-            </a:r>
-            <a:endParaRPr sz="2500" b="1">
+            <a:endParaRPr sz="1600" b="1" dirty="0">
               <a:solidFill>
                 <a:srgbClr val="FFFFFF"/>
               </a:solidFill>
@@ -16300,7 +15502,7 @@
               <a:buFont typeface="Quattrocento Sans"/>
               <a:buChar char="●"/>
             </a:pPr>
-            <a:endParaRPr sz="2800">
+            <a:endParaRPr sz="2800" dirty="0">
               <a:latin typeface="Quattrocento Sans"/>
               <a:ea typeface="Quattrocento Sans"/>
               <a:cs typeface="Quattrocento Sans"/>
@@ -16318,564 +15520,6 @@
 </file>
 
 <file path=ppt/slides/slide8.xml><?xml version="1.0" encoding="utf-8"?>
-<p:sld xmlns:a="http://schemas.openxmlformats.org/drawingml/2006/main" xmlns:r="http://schemas.openxmlformats.org/officeDocument/2006/relationships" xmlns:p="http://schemas.openxmlformats.org/presentationml/2006/main">
-  <p:cSld>
-    <p:bg>
-      <p:bgPr>
-        <a:blipFill>
-          <a:blip r:embed="rId3">
-            <a:alphaModFix/>
-          </a:blip>
-          <a:stretch>
-            <a:fillRect/>
-          </a:stretch>
-        </a:blipFill>
-        <a:effectLst/>
-      </p:bgPr>
-    </p:bg>
-    <p:spTree>
-      <p:nvGrpSpPr>
-        <p:cNvPr id="1" name="Shape 184"/>
-        <p:cNvGrpSpPr/>
-        <p:nvPr/>
-      </p:nvGrpSpPr>
-      <p:grpSpPr>
-        <a:xfrm>
-          <a:off x="0" y="0"/>
-          <a:ext cx="0" cy="0"/>
-          <a:chOff x="0" y="0"/>
-          <a:chExt cx="0" cy="0"/>
-        </a:xfrm>
-      </p:grpSpPr>
-      <p:sp>
-        <p:nvSpPr>
-          <p:cNvPr id="185" name="Google Shape;185;p22"/>
-          <p:cNvSpPr txBox="1">
-            <a:spLocks noGrp="1"/>
-          </p:cNvSpPr>
-          <p:nvPr>
-            <p:ph type="title"/>
-          </p:nvPr>
-        </p:nvSpPr>
-        <p:spPr>
-          <a:xfrm>
-            <a:off x="457200" y="274638"/>
-            <a:ext cx="8229600" cy="1143000"/>
-          </a:xfrm>
-          <a:prstGeom prst="rect">
-            <a:avLst/>
-          </a:prstGeom>
-          <a:noFill/>
-          <a:ln>
-            <a:noFill/>
-          </a:ln>
-        </p:spPr>
-        <p:txBody>
-          <a:bodyPr spcFirstLastPara="1" wrap="square" lIns="91425" tIns="45700" rIns="91425" bIns="45700" anchor="ctr" anchorCtr="0">
-            <a:normAutofit/>
-          </a:bodyPr>
-          <a:lstStyle/>
-          <a:p>
-            <a:pPr marL="0" lvl="0" indent="0" algn="ctr" rtl="0">
-              <a:spcBef>
-                <a:spcPts val="0"/>
-              </a:spcBef>
-              <a:spcAft>
-                <a:spcPts val="0"/>
-              </a:spcAft>
-              <a:buClr>
-                <a:srgbClr val="004C99"/>
-              </a:buClr>
-              <a:buSzPts val="3000"/>
-              <a:buFont typeface="Calibri"/>
-              <a:buNone/>
-            </a:pPr>
-            <a:r>
-              <a:rPr lang="en-US" sz="3000" b="1">
-                <a:solidFill>
-                  <a:srgbClr val="FFFFFF"/>
-                </a:solidFill>
-              </a:rPr>
-              <a:t>System Architecture (ML Model)</a:t>
-            </a:r>
-            <a:endParaRPr>
-              <a:solidFill>
-                <a:srgbClr val="FFFFFF"/>
-              </a:solidFill>
-            </a:endParaRPr>
-          </a:p>
-        </p:txBody>
-      </p:sp>
-      <p:sp>
-        <p:nvSpPr>
-          <p:cNvPr id="186" name="Google Shape;186;p22"/>
-          <p:cNvSpPr txBox="1">
-            <a:spLocks noGrp="1"/>
-          </p:cNvSpPr>
-          <p:nvPr>
-            <p:ph type="body" idx="1"/>
-          </p:nvPr>
-        </p:nvSpPr>
-        <p:spPr>
-          <a:xfrm>
-            <a:off x="457200" y="1165950"/>
-            <a:ext cx="8229600" cy="4526100"/>
-          </a:xfrm>
-          <a:prstGeom prst="rect">
-            <a:avLst/>
-          </a:prstGeom>
-          <a:noFill/>
-          <a:ln>
-            <a:noFill/>
-          </a:ln>
-        </p:spPr>
-        <p:txBody>
-          <a:bodyPr spcFirstLastPara="1" wrap="square" lIns="91425" tIns="45700" rIns="91425" bIns="45700" anchor="t" anchorCtr="0">
-            <a:noAutofit/>
-          </a:bodyPr>
-          <a:lstStyle/>
-          <a:p>
-            <a:pPr marL="457200" lvl="0" indent="-228600" algn="l" rtl="0">
-              <a:spcBef>
-                <a:spcPts val="1400"/>
-              </a:spcBef>
-              <a:spcAft>
-                <a:spcPts val="0"/>
-              </a:spcAft>
-              <a:buNone/>
-            </a:pPr>
-            <a:r>
-              <a:rPr lang="en-US" sz="1600" b="1">
-                <a:solidFill>
-                  <a:srgbClr val="FFFFFF"/>
-                </a:solidFill>
-                <a:latin typeface="Aptos"/>
-                <a:ea typeface="Aptos"/>
-                <a:cs typeface="Aptos"/>
-                <a:sym typeface="Aptos"/>
-              </a:rPr>
-              <a:t>ML Models</a:t>
-            </a:r>
-            <a:endParaRPr sz="1600" b="1">
-              <a:solidFill>
-                <a:srgbClr val="FFFFFF"/>
-              </a:solidFill>
-              <a:latin typeface="Aptos"/>
-              <a:ea typeface="Aptos"/>
-              <a:cs typeface="Aptos"/>
-              <a:sym typeface="Aptos"/>
-            </a:endParaRPr>
-          </a:p>
-          <a:p>
-            <a:pPr marL="914400" lvl="1" indent="-323850" algn="l" rtl="0">
-              <a:spcBef>
-                <a:spcPts val="1200"/>
-              </a:spcBef>
-              <a:spcAft>
-                <a:spcPts val="0"/>
-              </a:spcAft>
-              <a:buClr>
-                <a:srgbClr val="FFFFFF"/>
-              </a:buClr>
-              <a:buSzPts val="1500"/>
-              <a:buFont typeface="Aptos"/>
-              <a:buChar char="○"/>
-            </a:pPr>
-            <a:r>
-              <a:rPr lang="en-US" sz="1600" b="1">
-                <a:solidFill>
-                  <a:srgbClr val="FFFFFF"/>
-                </a:solidFill>
-                <a:latin typeface="Aptos"/>
-                <a:ea typeface="Aptos"/>
-                <a:cs typeface="Aptos"/>
-                <a:sym typeface="Aptos"/>
-              </a:rPr>
-              <a:t>Routing Agent </a:t>
-            </a:r>
-            <a:r>
-              <a:rPr lang="en-US" sz="1200">
-                <a:solidFill>
-                  <a:srgbClr val="000000"/>
-                </a:solidFill>
-                <a:latin typeface="Aptos"/>
-                <a:ea typeface="Aptos"/>
-                <a:cs typeface="Aptos"/>
-                <a:sym typeface="Aptos"/>
-              </a:rPr>
-              <a:t>Uses keyword classification or sentence embeddings to identify target agent</a:t>
-            </a:r>
-            <a:endParaRPr sz="1200">
-              <a:solidFill>
-                <a:srgbClr val="000000"/>
-              </a:solidFill>
-              <a:latin typeface="Aptos"/>
-              <a:ea typeface="Aptos"/>
-              <a:cs typeface="Aptos"/>
-              <a:sym typeface="Aptos"/>
-            </a:endParaRPr>
-          </a:p>
-          <a:p>
-            <a:pPr marL="457200" lvl="0" indent="-330200" algn="l" rtl="0">
-              <a:lnSpc>
-                <a:spcPct val="100000"/>
-              </a:lnSpc>
-              <a:spcBef>
-                <a:spcPts val="0"/>
-              </a:spcBef>
-              <a:spcAft>
-                <a:spcPts val="0"/>
-              </a:spcAft>
-              <a:buClr>
-                <a:srgbClr val="FFFFFF"/>
-              </a:buClr>
-              <a:buSzPts val="1600"/>
-              <a:buFont typeface="Aptos"/>
-              <a:buChar char="●"/>
-            </a:pPr>
-            <a:r>
-              <a:rPr lang="en-US" sz="1600">
-                <a:solidFill>
-                  <a:srgbClr val="FFFFFF"/>
-                </a:solidFill>
-                <a:latin typeface="Roboto Mono"/>
-                <a:ea typeface="Roboto Mono"/>
-                <a:cs typeface="Roboto Mono"/>
-                <a:sym typeface="Roboto Mono"/>
-              </a:rPr>
-              <a:t>a2a_main.py</a:t>
-            </a:r>
-            <a:r>
-              <a:rPr lang="en-US" sz="1600">
-                <a:solidFill>
-                  <a:srgbClr val="FFFFFF"/>
-                </a:solidFill>
-                <a:latin typeface="Aptos"/>
-                <a:ea typeface="Aptos"/>
-                <a:cs typeface="Aptos"/>
-                <a:sym typeface="Aptos"/>
-              </a:rPr>
-              <a:t> uses </a:t>
-            </a:r>
-            <a:r>
-              <a:rPr lang="en-US" sz="1600">
-                <a:solidFill>
-                  <a:srgbClr val="FFFFFF"/>
-                </a:solidFill>
-                <a:latin typeface="Roboto Mono"/>
-                <a:ea typeface="Roboto Mono"/>
-                <a:cs typeface="Roboto Mono"/>
-                <a:sym typeface="Roboto Mono"/>
-              </a:rPr>
-              <a:t>mcp.call(tool_name, input)</a:t>
-            </a:r>
-            <a:r>
-              <a:rPr lang="en-US" sz="1600">
-                <a:solidFill>
-                  <a:srgbClr val="FFFFFF"/>
-                </a:solidFill>
-                <a:latin typeface="Aptos"/>
-                <a:ea typeface="Aptos"/>
-                <a:cs typeface="Aptos"/>
-                <a:sym typeface="Aptos"/>
-              </a:rPr>
-              <a:t> to route user query</a:t>
-            </a:r>
-            <a:endParaRPr sz="1600">
-              <a:solidFill>
-                <a:srgbClr val="FFFFFF"/>
-              </a:solidFill>
-              <a:latin typeface="Aptos"/>
-              <a:ea typeface="Aptos"/>
-              <a:cs typeface="Aptos"/>
-              <a:sym typeface="Aptos"/>
-            </a:endParaRPr>
-          </a:p>
-          <a:p>
-            <a:pPr marL="457200" lvl="0" indent="-330200" algn="l" rtl="0">
-              <a:lnSpc>
-                <a:spcPct val="100000"/>
-              </a:lnSpc>
-              <a:spcBef>
-                <a:spcPts val="0"/>
-              </a:spcBef>
-              <a:spcAft>
-                <a:spcPts val="0"/>
-              </a:spcAft>
-              <a:buClr>
-                <a:srgbClr val="FFFFFF"/>
-              </a:buClr>
-              <a:buSzPts val="1600"/>
-              <a:buFont typeface="Aptos"/>
-              <a:buChar char="●"/>
-            </a:pPr>
-            <a:r>
-              <a:rPr lang="en-US" sz="1600">
-                <a:solidFill>
-                  <a:srgbClr val="FFFFFF"/>
-                </a:solidFill>
-                <a:latin typeface="Aptos"/>
-                <a:ea typeface="Aptos"/>
-                <a:cs typeface="Aptos"/>
-                <a:sym typeface="Aptos"/>
-              </a:rPr>
-              <a:t>Routing Accuracy observed: </a:t>
-            </a:r>
-            <a:r>
-              <a:rPr lang="en-US" sz="1600" b="1">
-                <a:solidFill>
-                  <a:srgbClr val="FFFFFF"/>
-                </a:solidFill>
-                <a:latin typeface="Aptos"/>
-                <a:ea typeface="Aptos"/>
-                <a:cs typeface="Aptos"/>
-                <a:sym typeface="Aptos"/>
-              </a:rPr>
-              <a:t>100%</a:t>
-            </a:r>
-            <a:r>
-              <a:rPr lang="en-US" sz="1600">
-                <a:solidFill>
-                  <a:srgbClr val="FFFFFF"/>
-                </a:solidFill>
-                <a:latin typeface="Aptos"/>
-                <a:ea typeface="Aptos"/>
-                <a:cs typeface="Aptos"/>
-                <a:sym typeface="Aptos"/>
-              </a:rPr>
-              <a:t> in test samples</a:t>
-            </a:r>
-            <a:endParaRPr sz="2000" b="1">
-              <a:solidFill>
-                <a:srgbClr val="FFFFFF"/>
-              </a:solidFill>
-              <a:latin typeface="Aptos"/>
-              <a:ea typeface="Aptos"/>
-              <a:cs typeface="Aptos"/>
-              <a:sym typeface="Aptos"/>
-            </a:endParaRPr>
-          </a:p>
-          <a:p>
-            <a:pPr marL="457200" lvl="0" indent="-228600" algn="l" rtl="0">
-              <a:spcBef>
-                <a:spcPts val="1400"/>
-              </a:spcBef>
-              <a:spcAft>
-                <a:spcPts val="0"/>
-              </a:spcAft>
-              <a:buNone/>
-            </a:pPr>
-            <a:endParaRPr sz="1600" b="1">
-              <a:solidFill>
-                <a:srgbClr val="FFFFFF"/>
-              </a:solidFill>
-              <a:latin typeface="Aptos"/>
-              <a:ea typeface="Aptos"/>
-              <a:cs typeface="Aptos"/>
-              <a:sym typeface="Aptos"/>
-            </a:endParaRPr>
-          </a:p>
-          <a:p>
-            <a:pPr marL="457200" lvl="0" indent="-323850" algn="l" rtl="0">
-              <a:spcBef>
-                <a:spcPts val="1200"/>
-              </a:spcBef>
-              <a:spcAft>
-                <a:spcPts val="0"/>
-              </a:spcAft>
-              <a:buClr>
-                <a:srgbClr val="FFFFFF"/>
-              </a:buClr>
-              <a:buSzPts val="1500"/>
-              <a:buFont typeface="Aptos"/>
-              <a:buChar char="●"/>
-            </a:pPr>
-            <a:r>
-              <a:rPr lang="en-US" sz="1500">
-                <a:solidFill>
-                  <a:srgbClr val="FFFFFF"/>
-                </a:solidFill>
-                <a:latin typeface="Aptos"/>
-                <a:ea typeface="Aptos"/>
-                <a:cs typeface="Aptos"/>
-                <a:sym typeface="Aptos"/>
-              </a:rPr>
-              <a:t>Uses keyword classification or sentence embeddings to identify target agent</a:t>
-            </a:r>
-            <a:endParaRPr sz="1500">
-              <a:solidFill>
-                <a:srgbClr val="FFFFFF"/>
-              </a:solidFill>
-              <a:latin typeface="Aptos"/>
-              <a:ea typeface="Aptos"/>
-              <a:cs typeface="Aptos"/>
-              <a:sym typeface="Aptos"/>
-            </a:endParaRPr>
-          </a:p>
-          <a:p>
-            <a:pPr marL="457200" lvl="0" indent="-323850" algn="l" rtl="0">
-              <a:spcBef>
-                <a:spcPts val="0"/>
-              </a:spcBef>
-              <a:spcAft>
-                <a:spcPts val="0"/>
-              </a:spcAft>
-              <a:buClr>
-                <a:srgbClr val="FFFFFF"/>
-              </a:buClr>
-              <a:buSzPts val="1500"/>
-              <a:buFont typeface="Aptos"/>
-              <a:buChar char="●"/>
-            </a:pPr>
-            <a:r>
-              <a:rPr lang="en-US" sz="1500">
-                <a:solidFill>
-                  <a:srgbClr val="FFFFFF"/>
-                </a:solidFill>
-                <a:latin typeface="Roboto Mono"/>
-                <a:ea typeface="Roboto Mono"/>
-                <a:cs typeface="Roboto Mono"/>
-                <a:sym typeface="Roboto Mono"/>
-              </a:rPr>
-              <a:t>a2a_main.py</a:t>
-            </a:r>
-            <a:r>
-              <a:rPr lang="en-US" sz="1500">
-                <a:solidFill>
-                  <a:srgbClr val="FFFFFF"/>
-                </a:solidFill>
-                <a:latin typeface="Aptos"/>
-                <a:ea typeface="Aptos"/>
-                <a:cs typeface="Aptos"/>
-                <a:sym typeface="Aptos"/>
-              </a:rPr>
-              <a:t> uses </a:t>
-            </a:r>
-            <a:r>
-              <a:rPr lang="en-US" sz="1500">
-                <a:solidFill>
-                  <a:srgbClr val="FFFFFF"/>
-                </a:solidFill>
-                <a:latin typeface="Roboto Mono"/>
-                <a:ea typeface="Roboto Mono"/>
-                <a:cs typeface="Roboto Mono"/>
-                <a:sym typeface="Roboto Mono"/>
-              </a:rPr>
-              <a:t>mcp.call(tool_name, input)</a:t>
-            </a:r>
-            <a:r>
-              <a:rPr lang="en-US" sz="1500">
-                <a:solidFill>
-                  <a:srgbClr val="FFFFFF"/>
-                </a:solidFill>
-                <a:latin typeface="Aptos"/>
-                <a:ea typeface="Aptos"/>
-                <a:cs typeface="Aptos"/>
-                <a:sym typeface="Aptos"/>
-              </a:rPr>
-              <a:t> to route user query</a:t>
-            </a:r>
-            <a:endParaRPr sz="1500">
-              <a:solidFill>
-                <a:srgbClr val="FFFFFF"/>
-              </a:solidFill>
-              <a:latin typeface="Aptos"/>
-              <a:ea typeface="Aptos"/>
-              <a:cs typeface="Aptos"/>
-              <a:sym typeface="Aptos"/>
-            </a:endParaRPr>
-          </a:p>
-          <a:p>
-            <a:pPr marL="457200" lvl="0" indent="-323850" algn="l" rtl="0">
-              <a:spcBef>
-                <a:spcPts val="0"/>
-              </a:spcBef>
-              <a:spcAft>
-                <a:spcPts val="0"/>
-              </a:spcAft>
-              <a:buClr>
-                <a:srgbClr val="FFFFFF"/>
-              </a:buClr>
-              <a:buSzPts val="1500"/>
-              <a:buFont typeface="Aptos"/>
-              <a:buChar char="●"/>
-            </a:pPr>
-            <a:r>
-              <a:rPr lang="en-US" sz="1500">
-                <a:solidFill>
-                  <a:srgbClr val="FFFFFF"/>
-                </a:solidFill>
-                <a:latin typeface="Aptos"/>
-                <a:ea typeface="Aptos"/>
-                <a:cs typeface="Aptos"/>
-                <a:sym typeface="Aptos"/>
-              </a:rPr>
-              <a:t>Routing Accuracy observed: </a:t>
-            </a:r>
-            <a:r>
-              <a:rPr lang="en-US" sz="1500" b="1">
-                <a:solidFill>
-                  <a:srgbClr val="FFFFFF"/>
-                </a:solidFill>
-                <a:latin typeface="Aptos"/>
-                <a:ea typeface="Aptos"/>
-                <a:cs typeface="Aptos"/>
-                <a:sym typeface="Aptos"/>
-              </a:rPr>
-              <a:t>100%</a:t>
-            </a:r>
-            <a:r>
-              <a:rPr lang="en-US" sz="1500">
-                <a:solidFill>
-                  <a:srgbClr val="FFFFFF"/>
-                </a:solidFill>
-                <a:latin typeface="Aptos"/>
-                <a:ea typeface="Aptos"/>
-                <a:cs typeface="Aptos"/>
-                <a:sym typeface="Aptos"/>
-              </a:rPr>
-              <a:t> in test samples</a:t>
-            </a:r>
-            <a:endParaRPr sz="2500" b="1">
-              <a:solidFill>
-                <a:srgbClr val="FFFFFF"/>
-              </a:solidFill>
-              <a:latin typeface="Aptos"/>
-              <a:ea typeface="Aptos"/>
-              <a:cs typeface="Aptos"/>
-              <a:sym typeface="Aptos"/>
-            </a:endParaRPr>
-          </a:p>
-          <a:p>
-            <a:pPr marL="342900" lvl="0" indent="-393700" algn="l" rtl="0">
-              <a:spcBef>
-                <a:spcPts val="400"/>
-              </a:spcBef>
-              <a:spcAft>
-                <a:spcPts val="1200"/>
-              </a:spcAft>
-              <a:buSzPts val="2800"/>
-              <a:buFont typeface="Quattrocento Sans"/>
-              <a:buChar char="●"/>
-            </a:pPr>
-            <a:endParaRPr sz="2800">
-              <a:latin typeface="Quattrocento Sans"/>
-              <a:ea typeface="Quattrocento Sans"/>
-              <a:cs typeface="Quattrocento Sans"/>
-              <a:sym typeface="Quattrocento Sans"/>
-            </a:endParaRPr>
-          </a:p>
-        </p:txBody>
-      </p:sp>
-    </p:spTree>
-  </p:cSld>
-  <p:clrMapOvr>
-    <a:masterClrMapping/>
-  </p:clrMapOvr>
-</p:sld>
-</file>
-
-<file path=ppt/slides/slide9.xml><?xml version="1.0" encoding="utf-8"?>
 <p:sld xmlns:a="http://schemas.openxmlformats.org/drawingml/2006/main" xmlns:r="http://schemas.openxmlformats.org/officeDocument/2006/relationships" xmlns:p="http://schemas.openxmlformats.org/presentationml/2006/main">
   <p:cSld>
     <p:bg>
@@ -17248,6 +15892,399 @@
           </a:p>
         </p:txBody>
       </p:sp>
+    </p:spTree>
+  </p:cSld>
+  <p:clrMapOvr>
+    <a:masterClrMapping/>
+  </p:clrMapOvr>
+</p:sld>
+</file>
+
+<file path=ppt/slides/slide9.xml><?xml version="1.0" encoding="utf-8"?>
+<p:sld xmlns:a="http://schemas.openxmlformats.org/drawingml/2006/main" xmlns:r="http://schemas.openxmlformats.org/officeDocument/2006/relationships" xmlns:p="http://schemas.openxmlformats.org/presentationml/2006/main">
+  <p:cSld>
+    <p:bg>
+      <p:bgPr>
+        <a:blipFill>
+          <a:blip r:embed="rId3">
+            <a:alphaModFix/>
+          </a:blip>
+          <a:stretch>
+            <a:fillRect/>
+          </a:stretch>
+        </a:blipFill>
+        <a:effectLst/>
+      </p:bgPr>
+    </p:bg>
+    <p:spTree>
+      <p:nvGrpSpPr>
+        <p:cNvPr id="1" name="Shape 196"/>
+        <p:cNvGrpSpPr/>
+        <p:nvPr/>
+      </p:nvGrpSpPr>
+      <p:grpSpPr>
+        <a:xfrm>
+          <a:off x="0" y="0"/>
+          <a:ext cx="0" cy="0"/>
+          <a:chOff x="0" y="0"/>
+          <a:chExt cx="0" cy="0"/>
+        </a:xfrm>
+      </p:grpSpPr>
+      <p:sp>
+        <p:nvSpPr>
+          <p:cNvPr id="197" name="Google Shape;197;p24"/>
+          <p:cNvSpPr txBox="1">
+            <a:spLocks noGrp="1"/>
+          </p:cNvSpPr>
+          <p:nvPr>
+            <p:ph type="title"/>
+          </p:nvPr>
+        </p:nvSpPr>
+        <p:spPr>
+          <a:xfrm>
+            <a:off x="457200" y="274638"/>
+            <a:ext cx="8229600" cy="1143000"/>
+          </a:xfrm>
+          <a:prstGeom prst="rect">
+            <a:avLst/>
+          </a:prstGeom>
+          <a:noFill/>
+          <a:ln>
+            <a:noFill/>
+          </a:ln>
+        </p:spPr>
+        <p:txBody>
+          <a:bodyPr spcFirstLastPara="1" wrap="square" lIns="91425" tIns="45700" rIns="91425" bIns="45700" anchor="ctr" anchorCtr="0">
+            <a:normAutofit/>
+          </a:bodyPr>
+          <a:lstStyle/>
+          <a:p>
+            <a:pPr marL="0" lvl="0" indent="0" algn="l" rtl="0">
+              <a:spcBef>
+                <a:spcPts val="0"/>
+              </a:spcBef>
+              <a:spcAft>
+                <a:spcPts val="0"/>
+              </a:spcAft>
+              <a:buClr>
+                <a:srgbClr val="0066CC"/>
+              </a:buClr>
+              <a:buSzPts val="3200"/>
+              <a:buFont typeface="Calibri"/>
+              <a:buNone/>
+            </a:pPr>
+            <a:r>
+              <a:rPr lang="en-US" sz="3200" b="1">
+                <a:solidFill>
+                  <a:srgbClr val="FFFFFF"/>
+                </a:solidFill>
+                <a:latin typeface="Calibri"/>
+                <a:ea typeface="Calibri"/>
+                <a:cs typeface="Calibri"/>
+                <a:sym typeface="Calibri"/>
+              </a:rPr>
+              <a:t>Deployment Strategy</a:t>
+            </a:r>
+            <a:endParaRPr>
+              <a:solidFill>
+                <a:srgbClr val="FFFFFF"/>
+              </a:solidFill>
+            </a:endParaRPr>
+          </a:p>
+        </p:txBody>
+      </p:sp>
+      <p:sp>
+        <p:nvSpPr>
+          <p:cNvPr id="198" name="Google Shape;198;p24"/>
+          <p:cNvSpPr txBox="1">
+            <a:spLocks noGrp="1"/>
+          </p:cNvSpPr>
+          <p:nvPr>
+            <p:ph type="body" idx="1"/>
+          </p:nvPr>
+        </p:nvSpPr>
+        <p:spPr>
+          <a:xfrm>
+            <a:off x="457200" y="1600200"/>
+            <a:ext cx="8229600" cy="4526100"/>
+          </a:xfrm>
+          <a:prstGeom prst="rect">
+            <a:avLst/>
+          </a:prstGeom>
+          <a:noFill/>
+          <a:ln w="9525" cap="flat" cmpd="sng">
+            <a:solidFill>
+              <a:srgbClr val="FFFFFF"/>
+            </a:solidFill>
+            <a:prstDash val="solid"/>
+            <a:round/>
+            <a:headEnd type="none" w="sm" len="sm"/>
+            <a:tailEnd type="none" w="sm" len="sm"/>
+          </a:ln>
+        </p:spPr>
+        <p:txBody>
+          <a:bodyPr spcFirstLastPara="1" wrap="square" lIns="91425" tIns="45700" rIns="91425" bIns="45700" anchor="t" anchorCtr="0">
+            <a:noAutofit/>
+          </a:bodyPr>
+          <a:lstStyle/>
+          <a:p>
+            <a:pPr marL="457200" lvl="0" indent="-355600" algn="l" rtl="0">
+              <a:spcBef>
+                <a:spcPts val="0"/>
+              </a:spcBef>
+              <a:spcAft>
+                <a:spcPts val="0"/>
+              </a:spcAft>
+              <a:buClr>
+                <a:srgbClr val="FFFFFF"/>
+              </a:buClr>
+              <a:buSzPts val="2000"/>
+              <a:buChar char="●"/>
+            </a:pPr>
+            <a:r>
+              <a:rPr lang="en-US" sz="2000">
+                <a:solidFill>
+                  <a:srgbClr val="FFFFFF"/>
+                </a:solidFill>
+                <a:latin typeface="Quattrocento Sans"/>
+                <a:ea typeface="Quattrocento Sans"/>
+                <a:cs typeface="Quattrocento Sans"/>
+                <a:sym typeface="Quattrocento Sans"/>
+              </a:rPr>
+              <a:t>Containerized with Docker</a:t>
+            </a:r>
+            <a:endParaRPr>
+              <a:solidFill>
+                <a:srgbClr val="FFFFFF"/>
+              </a:solidFill>
+            </a:endParaRPr>
+          </a:p>
+          <a:p>
+            <a:pPr marL="457200" lvl="0" indent="-355600" algn="l" rtl="0">
+              <a:spcBef>
+                <a:spcPts val="400"/>
+              </a:spcBef>
+              <a:spcAft>
+                <a:spcPts val="0"/>
+              </a:spcAft>
+              <a:buClr>
+                <a:srgbClr val="FFFFFF"/>
+              </a:buClr>
+              <a:buSzPts val="2000"/>
+              <a:buChar char="●"/>
+            </a:pPr>
+            <a:r>
+              <a:rPr lang="en-US" sz="2000">
+                <a:solidFill>
+                  <a:srgbClr val="FFFFFF"/>
+                </a:solidFill>
+                <a:latin typeface="Quattrocento Sans"/>
+                <a:ea typeface="Quattrocento Sans"/>
+                <a:cs typeface="Quattrocento Sans"/>
+                <a:sym typeface="Quattrocento Sans"/>
+              </a:rPr>
+              <a:t>Microservices on Kubernetes</a:t>
+            </a:r>
+            <a:endParaRPr>
+              <a:solidFill>
+                <a:srgbClr val="FFFFFF"/>
+              </a:solidFill>
+            </a:endParaRPr>
+          </a:p>
+          <a:p>
+            <a:pPr marL="457200" lvl="0" indent="-355600" algn="l" rtl="0">
+              <a:spcBef>
+                <a:spcPts val="400"/>
+              </a:spcBef>
+              <a:spcAft>
+                <a:spcPts val="0"/>
+              </a:spcAft>
+              <a:buClr>
+                <a:srgbClr val="FFFFFF"/>
+              </a:buClr>
+              <a:buSzPts val="2000"/>
+              <a:buChar char="●"/>
+            </a:pPr>
+            <a:r>
+              <a:rPr lang="en-US" sz="2000">
+                <a:solidFill>
+                  <a:srgbClr val="FFFFFF"/>
+                </a:solidFill>
+                <a:latin typeface="Quattrocento Sans"/>
+                <a:ea typeface="Quattrocento Sans"/>
+                <a:cs typeface="Quattrocento Sans"/>
+                <a:sym typeface="Quattrocento Sans"/>
+              </a:rPr>
+              <a:t>Option for FastAPI-based REST</a:t>
+            </a:r>
+            <a:endParaRPr>
+              <a:solidFill>
+                <a:srgbClr val="FFFFFF"/>
+              </a:solidFill>
+            </a:endParaRPr>
+          </a:p>
+          <a:p>
+            <a:pPr marL="457200" lvl="0" indent="-355600" algn="l" rtl="0">
+              <a:spcBef>
+                <a:spcPts val="400"/>
+              </a:spcBef>
+              <a:spcAft>
+                <a:spcPts val="0"/>
+              </a:spcAft>
+              <a:buClr>
+                <a:srgbClr val="FFFFFF"/>
+              </a:buClr>
+              <a:buSzPts val="2000"/>
+              <a:buChar char="●"/>
+            </a:pPr>
+            <a:r>
+              <a:rPr lang="en-US" sz="2000">
+                <a:solidFill>
+                  <a:srgbClr val="FFFFFF"/>
+                </a:solidFill>
+                <a:latin typeface="Quattrocento Sans"/>
+                <a:ea typeface="Quattrocento Sans"/>
+                <a:cs typeface="Quattrocento Sans"/>
+                <a:sym typeface="Quattrocento Sans"/>
+              </a:rPr>
+              <a:t>Deployable via Helm or</a:t>
+            </a:r>
+            <a:endParaRPr sz="2000">
+              <a:solidFill>
+                <a:srgbClr val="FFFFFF"/>
+              </a:solidFill>
+              <a:latin typeface="Quattrocento Sans"/>
+              <a:ea typeface="Quattrocento Sans"/>
+              <a:cs typeface="Quattrocento Sans"/>
+              <a:sym typeface="Quattrocento Sans"/>
+            </a:endParaRPr>
+          </a:p>
+          <a:p>
+            <a:pPr marL="457200" lvl="0" indent="-355600" algn="l" rtl="0">
+              <a:spcBef>
+                <a:spcPts val="1200"/>
+              </a:spcBef>
+              <a:spcAft>
+                <a:spcPts val="0"/>
+              </a:spcAft>
+              <a:buClr>
+                <a:srgbClr val="FFFFFF"/>
+              </a:buClr>
+              <a:buSzPts val="2000"/>
+              <a:buChar char="●"/>
+            </a:pPr>
+            <a:r>
+              <a:rPr lang="en-US" sz="2000">
+                <a:solidFill>
+                  <a:srgbClr val="FFFFFF"/>
+                </a:solidFill>
+                <a:latin typeface="Quattrocento Sans"/>
+                <a:ea typeface="Quattrocento Sans"/>
+                <a:cs typeface="Quattrocento Sans"/>
+                <a:sym typeface="Quattrocento Sans"/>
+              </a:rPr>
+              <a:t> Docker Compose</a:t>
+            </a:r>
+            <a:endParaRPr>
+              <a:solidFill>
+                <a:srgbClr val="FFFFFF"/>
+              </a:solidFill>
+            </a:endParaRPr>
+          </a:p>
+          <a:p>
+            <a:pPr marL="457200" lvl="0" indent="-228600" algn="l" rtl="0">
+              <a:spcBef>
+                <a:spcPts val="1400"/>
+              </a:spcBef>
+              <a:spcAft>
+                <a:spcPts val="0"/>
+              </a:spcAft>
+              <a:buNone/>
+            </a:pPr>
+            <a:endParaRPr sz="1600" b="1">
+              <a:solidFill>
+                <a:srgbClr val="FFFFFF"/>
+              </a:solidFill>
+              <a:latin typeface="Aptos"/>
+              <a:ea typeface="Aptos"/>
+              <a:cs typeface="Aptos"/>
+              <a:sym typeface="Aptos"/>
+            </a:endParaRPr>
+          </a:p>
+          <a:p>
+            <a:pPr marL="457200" lvl="0" indent="-323850" algn="l" rtl="0">
+              <a:spcBef>
+                <a:spcPts val="1200"/>
+              </a:spcBef>
+              <a:spcAft>
+                <a:spcPts val="0"/>
+              </a:spcAft>
+              <a:buClr>
+                <a:srgbClr val="FFFFFF"/>
+              </a:buClr>
+              <a:buSzPts val="1500"/>
+              <a:buFont typeface="Aptos"/>
+              <a:buChar char="●"/>
+            </a:pPr>
+            <a:endParaRPr sz="2500" b="1">
+              <a:solidFill>
+                <a:srgbClr val="FFFFFF"/>
+              </a:solidFill>
+              <a:latin typeface="Aptos"/>
+              <a:ea typeface="Aptos"/>
+              <a:cs typeface="Aptos"/>
+              <a:sym typeface="Aptos"/>
+            </a:endParaRPr>
+          </a:p>
+          <a:p>
+            <a:pPr marL="342900" lvl="0" indent="-393700" algn="l" rtl="0">
+              <a:spcBef>
+                <a:spcPts val="400"/>
+              </a:spcBef>
+              <a:spcAft>
+                <a:spcPts val="1200"/>
+              </a:spcAft>
+              <a:buSzPts val="2800"/>
+              <a:buFont typeface="Quattrocento Sans"/>
+              <a:buChar char="●"/>
+            </a:pPr>
+            <a:endParaRPr sz="2800">
+              <a:latin typeface="Quattrocento Sans"/>
+              <a:ea typeface="Quattrocento Sans"/>
+              <a:cs typeface="Quattrocento Sans"/>
+              <a:sym typeface="Quattrocento Sans"/>
+            </a:endParaRPr>
+          </a:p>
+        </p:txBody>
+      </p:sp>
+      <p:pic>
+        <p:nvPicPr>
+          <p:cNvPr id="199" name="Google Shape;199;p24"/>
+          <p:cNvPicPr preferRelativeResize="0"/>
+          <p:nvPr/>
+        </p:nvPicPr>
+        <p:blipFill>
+          <a:blip r:embed="rId4">
+            <a:alphaModFix/>
+          </a:blip>
+          <a:stretch>
+            <a:fillRect/>
+          </a:stretch>
+        </p:blipFill>
+        <p:spPr>
+          <a:xfrm>
+            <a:off x="4572000" y="274650"/>
+            <a:ext cx="4034375" cy="5689825"/>
+          </a:xfrm>
+          <a:prstGeom prst="rect">
+            <a:avLst/>
+          </a:prstGeom>
+          <a:noFill/>
+          <a:ln>
+            <a:noFill/>
+          </a:ln>
+        </p:spPr>
+      </p:pic>
     </p:spTree>
   </p:cSld>
   <p:clrMapOvr>
